--- a/Investigación/Benchmark/Benchmark aplicaciones.pptx
+++ b/Investigación/Benchmark/Benchmark aplicaciones.pptx
@@ -1332,7 +1332,7 @@
             <a:fld id="{9334D819-9F07-4261-B09B-9E467E5D9002}" type="datetimeFigureOut">
               <a:rPr lang="en-US" dirty="0"/>
               <a:pPr/>
-              <a:t>3/14/2020</a:t>
+              <a:t>4/4/2020</a:t>
             </a:fld>
             <a:endParaRPr lang="en-US" dirty="0"/>
           </a:p>
@@ -1405,7 +1405,7 @@
             <a:fld id="{71766878-3199-4EAB-94E7-2D6D11070E14}" type="slidenum">
               <a:rPr lang="en-US" dirty="0"/>
               <a:pPr/>
-              <a:t>‹#›</a:t>
+              <a:t>‹Nº›</a:t>
             </a:fld>
             <a:endParaRPr lang="en-US" dirty="0"/>
           </a:p>
@@ -1566,7 +1566,7 @@
           <a:p>
             <a:fld id="{9334D819-9F07-4261-B09B-9E467E5D9002}" type="datetimeFigureOut">
               <a:rPr lang="en-US" dirty="0"/>
-              <a:t>3/14/2020</a:t>
+              <a:t>4/4/2020</a:t>
             </a:fld>
             <a:endParaRPr lang="en-US" dirty="0"/>
           </a:p>
@@ -1608,7 +1608,7 @@
           <a:p>
             <a:fld id="{71766878-3199-4EAB-94E7-2D6D11070E14}" type="slidenum">
               <a:rPr lang="en-US" dirty="0"/>
-              <a:t>‹#›</a:t>
+              <a:t>‹Nº›</a:t>
             </a:fld>
             <a:endParaRPr lang="en-US" dirty="0"/>
           </a:p>
@@ -1741,7 +1741,7 @@
           <a:p>
             <a:fld id="{9334D819-9F07-4261-B09B-9E467E5D9002}" type="datetimeFigureOut">
               <a:rPr lang="en-US" dirty="0"/>
-              <a:t>3/14/2020</a:t>
+              <a:t>4/4/2020</a:t>
             </a:fld>
             <a:endParaRPr lang="en-US" dirty="0"/>
           </a:p>
@@ -1783,7 +1783,7 @@
           <a:p>
             <a:fld id="{71766878-3199-4EAB-94E7-2D6D11070E14}" type="slidenum">
               <a:rPr lang="en-US" dirty="0"/>
-              <a:t>‹#›</a:t>
+              <a:t>‹Nº›</a:t>
             </a:fld>
             <a:endParaRPr lang="en-US" dirty="0"/>
           </a:p>
@@ -1906,7 +1906,7 @@
           <a:p>
             <a:fld id="{9334D819-9F07-4261-B09B-9E467E5D9002}" type="datetimeFigureOut">
               <a:rPr lang="en-US" dirty="0"/>
-              <a:t>3/14/2020</a:t>
+              <a:t>4/4/2020</a:t>
             </a:fld>
             <a:endParaRPr lang="en-US" dirty="0"/>
           </a:p>
@@ -1948,7 +1948,7 @@
           <a:p>
             <a:fld id="{71766878-3199-4EAB-94E7-2D6D11070E14}" type="slidenum">
               <a:rPr lang="en-US" dirty="0"/>
-              <a:t>‹#›</a:t>
+              <a:t>‹Nº›</a:t>
             </a:fld>
             <a:endParaRPr lang="en-US" dirty="0"/>
           </a:p>
@@ -2178,7 +2178,7 @@
             <a:fld id="{9334D819-9F07-4261-B09B-9E467E5D9002}" type="datetimeFigureOut">
               <a:rPr lang="en-US" dirty="0"/>
               <a:pPr/>
-              <a:t>3/14/2020</a:t>
+              <a:t>4/4/2020</a:t>
             </a:fld>
             <a:endParaRPr lang="en-US" dirty="0"/>
           </a:p>
@@ -2247,7 +2247,7 @@
             <a:fld id="{71766878-3199-4EAB-94E7-2D6D11070E14}" type="slidenum">
               <a:rPr lang="en-US" dirty="0"/>
               <a:pPr/>
-              <a:t>‹#›</a:t>
+              <a:t>‹Nº›</a:t>
             </a:fld>
             <a:endParaRPr lang="en-US" dirty="0"/>
           </a:p>
@@ -3375,7 +3375,7 @@
           <a:p>
             <a:fld id="{9334D819-9F07-4261-B09B-9E467E5D9002}" type="datetimeFigureOut">
               <a:rPr lang="en-US" dirty="0"/>
-              <a:t>3/14/2020</a:t>
+              <a:t>4/4/2020</a:t>
             </a:fld>
             <a:endParaRPr lang="en-US" dirty="0"/>
           </a:p>
@@ -3417,7 +3417,7 @@
           <a:p>
             <a:fld id="{71766878-3199-4EAB-94E7-2D6D11070E14}" type="slidenum">
               <a:rPr lang="en-US" dirty="0"/>
-              <a:t>‹#›</a:t>
+              <a:t>‹Nº›</a:t>
             </a:fld>
             <a:endParaRPr lang="en-US" dirty="0"/>
           </a:p>
@@ -3760,7 +3760,7 @@
           <a:p>
             <a:fld id="{9334D819-9F07-4261-B09B-9E467E5D9002}" type="datetimeFigureOut">
               <a:rPr lang="en-US" dirty="0"/>
-              <a:t>3/14/2020</a:t>
+              <a:t>4/4/2020</a:t>
             </a:fld>
             <a:endParaRPr lang="en-US" dirty="0"/>
           </a:p>
@@ -3802,7 +3802,7 @@
           <a:p>
             <a:fld id="{71766878-3199-4EAB-94E7-2D6D11070E14}" type="slidenum">
               <a:rPr lang="en-US" dirty="0"/>
-              <a:t>‹#›</a:t>
+              <a:t>‹Nº›</a:t>
             </a:fld>
             <a:endParaRPr lang="en-US" dirty="0"/>
           </a:p>
@@ -3878,7 +3878,7 @@
           <a:p>
             <a:fld id="{9334D819-9F07-4261-B09B-9E467E5D9002}" type="datetimeFigureOut">
               <a:rPr lang="en-US" dirty="0"/>
-              <a:t>3/14/2020</a:t>
+              <a:t>4/4/2020</a:t>
             </a:fld>
             <a:endParaRPr lang="en-US" dirty="0"/>
           </a:p>
@@ -3920,7 +3920,7 @@
           <a:p>
             <a:fld id="{71766878-3199-4EAB-94E7-2D6D11070E14}" type="slidenum">
               <a:rPr lang="en-US" dirty="0"/>
-              <a:t>‹#›</a:t>
+              <a:t>‹Nº›</a:t>
             </a:fld>
             <a:endParaRPr lang="en-US" dirty="0"/>
           </a:p>
@@ -3968,7 +3968,7 @@
           <a:p>
             <a:fld id="{9334D819-9F07-4261-B09B-9E467E5D9002}" type="datetimeFigureOut">
               <a:rPr lang="en-US" dirty="0"/>
-              <a:t>3/14/2020</a:t>
+              <a:t>4/4/2020</a:t>
             </a:fld>
             <a:endParaRPr lang="en-US" dirty="0"/>
           </a:p>
@@ -4010,7 +4010,7 @@
           <a:p>
             <a:fld id="{71766878-3199-4EAB-94E7-2D6D11070E14}" type="slidenum">
               <a:rPr lang="en-US" dirty="0"/>
-              <a:t>‹#›</a:t>
+              <a:t>‹Nº›</a:t>
             </a:fld>
             <a:endParaRPr lang="en-US" dirty="0"/>
           </a:p>
@@ -4726,7 +4726,7 @@
           <a:p>
             <a:fld id="{9334D819-9F07-4261-B09B-9E467E5D9002}" type="datetimeFigureOut">
               <a:rPr lang="en-US" dirty="0"/>
-              <a:t>3/14/2020</a:t>
+              <a:t>4/4/2020</a:t>
             </a:fld>
             <a:endParaRPr lang="en-US" dirty="0"/>
           </a:p>
@@ -4778,7 +4778,7 @@
           <a:p>
             <a:fld id="{71766878-3199-4EAB-94E7-2D6D11070E14}" type="slidenum">
               <a:rPr lang="en-US" dirty="0"/>
-              <a:t>‹#›</a:t>
+              <a:t>‹Nº›</a:t>
             </a:fld>
             <a:endParaRPr lang="en-US" dirty="0"/>
           </a:p>
@@ -5561,7 +5561,7 @@
           <a:p>
             <a:fld id="{9334D819-9F07-4261-B09B-9E467E5D9002}" type="datetimeFigureOut">
               <a:rPr lang="en-US" dirty="0"/>
-              <a:t>3/14/2020</a:t>
+              <a:t>4/4/2020</a:t>
             </a:fld>
             <a:endParaRPr lang="en-US" dirty="0"/>
           </a:p>
@@ -5613,7 +5613,7 @@
           <a:p>
             <a:fld id="{71766878-3199-4EAB-94E7-2D6D11070E14}" type="slidenum">
               <a:rPr lang="en-US" dirty="0"/>
-              <a:t>‹#›</a:t>
+              <a:t>‹Nº›</a:t>
             </a:fld>
             <a:endParaRPr lang="en-US" dirty="0"/>
           </a:p>
@@ -5784,7 +5784,7 @@
             <a:fld id="{9334D819-9F07-4261-B09B-9E467E5D9002}" type="datetimeFigureOut">
               <a:rPr lang="en-US" dirty="0"/>
               <a:pPr/>
-              <a:t>3/14/2020</a:t>
+              <a:t>4/4/2020</a:t>
             </a:fld>
             <a:endParaRPr lang="en-US" dirty="0"/>
           </a:p>
@@ -5865,7 +5865,7 @@
             <a:fld id="{71766878-3199-4EAB-94E7-2D6D11070E14}" type="slidenum">
               <a:rPr lang="en-US" dirty="0"/>
               <a:pPr/>
-              <a:t>‹#›</a:t>
+              <a:t>‹Nº›</a:t>
             </a:fld>
             <a:endParaRPr lang="en-US" dirty="0"/>
           </a:p>
@@ -6917,7 +6917,7 @@
             <p:ph idx="1"/>
             <p:extLst>
               <p:ext uri="{D42A27DB-BD31-4B8C-83A1-F6EECF244321}">
-                <p14:modId xmlns:p14="http://schemas.microsoft.com/office/powerpoint/2010/main" val="732473478"/>
+                <p14:modId xmlns:p14="http://schemas.microsoft.com/office/powerpoint/2010/main" val="1517616177"/>
               </p:ext>
             </p:extLst>
           </p:nvPr>
@@ -6989,17 +6989,10 @@
                     <a:lstStyle/>
                     <a:p>
                       <a:r>
-                        <a:rPr lang="es-ES" dirty="0"/>
-                        <a:t>Ecosistema </a:t>
+                        <a:rPr lang="es-ES" dirty="0" err="1"/>
+                        <a:t>Nooddle</a:t>
                       </a:r>
-                      <a:r>
-                        <a:rPr lang="es-ES" dirty="0" err="1"/>
-                        <a:t>Myfitness</a:t>
-                      </a:r>
-                      <a:r>
-                        <a:rPr lang="es-ES" dirty="0"/>
-                        <a:t> Pal</a:t>
-                      </a:r>
+                      <a:endParaRPr lang="es-ES" dirty="0"/>
                     </a:p>
                   </a:txBody>
                   <a:tcPr/>
@@ -7113,10 +7106,10 @@
       </p:pic>
       <p:pic>
         <p:nvPicPr>
-          <p:cNvPr id="13" name="Picture 12">
+          <p:cNvPr id="5" name="Imagen 4">
             <a:extLst>
               <a:ext uri="{FF2B5EF4-FFF2-40B4-BE49-F238E27FC236}">
-                <a16:creationId xmlns:a16="http://schemas.microsoft.com/office/drawing/2014/main" id="{80219092-CD7C-47B6-886B-81D440BF5023}"/>
+                <a16:creationId xmlns:a16="http://schemas.microsoft.com/office/drawing/2014/main" id="{E07BF8A9-1E98-419E-A25C-4DBF0A288A46}"/>
               </a:ext>
             </a:extLst>
           </p:cNvPr>
@@ -7133,8 +7126,8 @@
         </p:blipFill>
         <p:spPr>
           <a:xfrm>
-            <a:off x="8254554" y="2429986"/>
-            <a:ext cx="3104954" cy="3104954"/>
+            <a:off x="8339236" y="2449590"/>
+            <a:ext cx="2797113" cy="2797113"/>
           </a:xfrm>
           <a:prstGeom prst="rect">
             <a:avLst/>
@@ -7404,7 +7397,7 @@
           <p:nvPr>
             <p:extLst>
               <p:ext uri="{D42A27DB-BD31-4B8C-83A1-F6EECF244321}">
-                <p14:modId xmlns:p14="http://schemas.microsoft.com/office/powerpoint/2010/main" val="875768295"/>
+                <p14:modId xmlns:p14="http://schemas.microsoft.com/office/powerpoint/2010/main" val="1975388864"/>
               </p:ext>
             </p:extLst>
           </p:nvPr>
@@ -7479,17 +7472,10 @@
                     <a:lstStyle/>
                     <a:p>
                       <a:r>
-                        <a:rPr lang="es-ES" dirty="0"/>
-                        <a:t>Ecosistema </a:t>
+                        <a:rPr lang="es-ES" dirty="0" err="1"/>
+                        <a:t>Nooddle</a:t>
                       </a:r>
-                      <a:r>
-                        <a:rPr lang="es-ES" dirty="0" err="1"/>
-                        <a:t>Myfitness</a:t>
-                      </a:r>
-                      <a:r>
-                        <a:rPr lang="es-ES" dirty="0"/>
-                        <a:t> Pal</a:t>
-                      </a:r>
+                      <a:endParaRPr lang="es-ES" dirty="0"/>
                     </a:p>
                   </a:txBody>
                   <a:tcPr/>
@@ -7613,25 +7599,19 @@
                       <a:endParaRPr lang="es-ES" sz="1600" dirty="0"/>
                     </a:p>
                     <a:p>
+                      <a:endParaRPr lang="es-ES" sz="1600" dirty="0"/>
+                    </a:p>
+                    <a:p>
+                      <a:endParaRPr lang="es-ES" sz="1600" dirty="0"/>
+                    </a:p>
+                    <a:p>
+                      <a:endParaRPr lang="es-ES" sz="1600" dirty="0"/>
+                    </a:p>
+                    <a:p>
                       <a:r>
                         <a:rPr lang="es-ES" sz="1600" dirty="0"/>
-                        <a:t>Aplicaciones diferentes dedicadas para running, ciclismo, caminar y fitness.</a:t>
+                        <a:t>No dispone  de ninguna funcionalidad de entrenamiento</a:t>
                       </a:r>
-                    </a:p>
-                    <a:p>
-                      <a:endParaRPr lang="es-ES" sz="1600" dirty="0"/>
-                    </a:p>
-                    <a:p>
-                      <a:r>
-                        <a:rPr lang="es-ES" sz="1600" dirty="0"/>
-                        <a:t>Seguimiento y planificación de los entrenamientos</a:t>
-                      </a:r>
-                    </a:p>
-                    <a:p>
-                      <a:endParaRPr lang="es-ES" sz="1600" dirty="0"/>
-                    </a:p>
-                    <a:p>
-                      <a:endParaRPr lang="es-ES" sz="1600" dirty="0"/>
                     </a:p>
                   </a:txBody>
                   <a:tcPr/>
@@ -7763,7 +7743,7 @@
           <p:nvPr>
             <p:extLst>
               <p:ext uri="{D42A27DB-BD31-4B8C-83A1-F6EECF244321}">
-                <p14:modId xmlns:p14="http://schemas.microsoft.com/office/powerpoint/2010/main" val="168936792"/>
+                <p14:modId xmlns:p14="http://schemas.microsoft.com/office/powerpoint/2010/main" val="2893307697"/>
               </p:ext>
             </p:extLst>
           </p:nvPr>
@@ -7838,17 +7818,10 @@
                     <a:lstStyle/>
                     <a:p>
                       <a:r>
-                        <a:rPr lang="es-ES" dirty="0"/>
-                        <a:t>Ecosistema </a:t>
+                        <a:rPr lang="es-ES" dirty="0" err="1"/>
+                        <a:t>Nooddle</a:t>
                       </a:r>
-                      <a:r>
-                        <a:rPr lang="es-ES" dirty="0" err="1"/>
-                        <a:t>Myfitness</a:t>
-                      </a:r>
-                      <a:r>
-                        <a:rPr lang="es-ES" dirty="0"/>
-                        <a:t> Pal</a:t>
-                      </a:r>
+                      <a:endParaRPr lang="es-ES" dirty="0"/>
                     </a:p>
                   </a:txBody>
                   <a:tcPr/>
@@ -7966,21 +7939,9 @@
                       <a:endParaRPr lang="es-ES" sz="1600" dirty="0"/>
                     </a:p>
                     <a:p>
-                      <a:endParaRPr lang="es-ES" sz="1600" dirty="0"/>
-                    </a:p>
-                    <a:p>
-                      <a:endParaRPr lang="es-ES" sz="1600" dirty="0"/>
-                    </a:p>
-                    <a:p>
-                      <a:endParaRPr lang="es-ES" sz="1600" dirty="0"/>
-                    </a:p>
-                    <a:p>
-                      <a:endParaRPr lang="es-ES" sz="1600" dirty="0"/>
-                    </a:p>
-                    <a:p>
                       <a:r>
                         <a:rPr lang="es-ES" sz="1600" dirty="0"/>
-                        <a:t>Registro de alimentación manual</a:t>
+                        <a:t>Amplia lista de recetas de cocina</a:t>
                       </a:r>
                     </a:p>
                     <a:p>
@@ -7989,7 +7950,34 @@
                     <a:p>
                       <a:r>
                         <a:rPr lang="es-ES" sz="1600" dirty="0"/>
-                        <a:t>Registro de alimentación mediante el scanner de códigos de barras</a:t>
+                        <a:t>Permite buscar recetas por ingredientes o por tipo de plato</a:t>
+                      </a:r>
+                    </a:p>
+                    <a:p>
+                      <a:endParaRPr lang="es-ES" sz="1600" dirty="0"/>
+                    </a:p>
+                    <a:p>
+                      <a:r>
+                        <a:rPr lang="es-ES" sz="1600" dirty="0"/>
+                        <a:t>Calculadora de cantidades en función de las raciones</a:t>
+                      </a:r>
+                    </a:p>
+                    <a:p>
+                      <a:endParaRPr lang="es-ES" sz="1600" dirty="0"/>
+                    </a:p>
+                    <a:p>
+                      <a:r>
+                        <a:rPr lang="es-ES" sz="1600" dirty="0"/>
+                        <a:t>Lista de ingredientes e instrucciones paso a paso de las recetas</a:t>
+                      </a:r>
+                    </a:p>
+                    <a:p>
+                      <a:endParaRPr lang="es-ES" sz="1600" dirty="0"/>
+                    </a:p>
+                    <a:p>
+                      <a:r>
+                        <a:rPr lang="es-ES" sz="1600" dirty="0"/>
+                        <a:t>Posibilidad de crear listas de recetas personales</a:t>
                       </a:r>
                     </a:p>
                     <a:p>
@@ -8130,7 +8118,7 @@
           <p:nvPr>
             <p:extLst>
               <p:ext uri="{D42A27DB-BD31-4B8C-83A1-F6EECF244321}">
-                <p14:modId xmlns:p14="http://schemas.microsoft.com/office/powerpoint/2010/main" val="848621667"/>
+                <p14:modId xmlns:p14="http://schemas.microsoft.com/office/powerpoint/2010/main" val="4135340866"/>
               </p:ext>
             </p:extLst>
           </p:nvPr>
@@ -8205,17 +8193,10 @@
                     <a:lstStyle/>
                     <a:p>
                       <a:r>
-                        <a:rPr lang="es-ES" dirty="0"/>
-                        <a:t>Ecosistema </a:t>
+                        <a:rPr lang="es-ES" dirty="0" err="1"/>
+                        <a:t>Nooddle</a:t>
                       </a:r>
-                      <a:r>
-                        <a:rPr lang="es-ES" dirty="0" err="1"/>
-                        <a:t>Myfitness</a:t>
-                      </a:r>
-                      <a:r>
-                        <a:rPr lang="es-ES" dirty="0"/>
-                        <a:t> Pal</a:t>
-                      </a:r>
+                      <a:endParaRPr lang="es-ES" dirty="0"/>
                     </a:p>
                   </a:txBody>
                   <a:tcPr/>
@@ -8320,7 +8301,7 @@
                     <a:p>
                       <a:r>
                         <a:rPr lang="es-ES" sz="1600" dirty="0"/>
-                        <a:t>Posibilidad de conectarlo con una amplia lista de aplicaciones de terceros, sobre todo aplicaciones de entrenamiento</a:t>
+                        <a:t>No dispone de conexión con aplicaciones de terceros</a:t>
                       </a:r>
                     </a:p>
                   </a:txBody>
@@ -8446,7 +8427,7 @@
           <p:nvPr>
             <p:extLst>
               <p:ext uri="{D42A27DB-BD31-4B8C-83A1-F6EECF244321}">
-                <p14:modId xmlns:p14="http://schemas.microsoft.com/office/powerpoint/2010/main" val="916165512"/>
+                <p14:modId xmlns:p14="http://schemas.microsoft.com/office/powerpoint/2010/main" val="1729305561"/>
               </p:ext>
             </p:extLst>
           </p:nvPr>
@@ -8521,17 +8502,10 @@
                     <a:lstStyle/>
                     <a:p>
                       <a:r>
-                        <a:rPr lang="es-ES" dirty="0"/>
-                        <a:t>Ecosistema </a:t>
+                        <a:rPr lang="es-ES" dirty="0" err="1"/>
+                        <a:t>Nooddle</a:t>
                       </a:r>
-                      <a:r>
-                        <a:rPr lang="es-ES" dirty="0" err="1"/>
-                        <a:t>Myfitness</a:t>
-                      </a:r>
-                      <a:r>
-                        <a:rPr lang="es-ES" dirty="0"/>
-                        <a:t> Pal</a:t>
-                      </a:r>
+                      <a:endParaRPr lang="es-ES" dirty="0"/>
                     </a:p>
                   </a:txBody>
                   <a:tcPr/>
@@ -8625,39 +8599,18 @@
                       <a:endParaRPr lang="es-ES" sz="1600" dirty="0"/>
                     </a:p>
                     <a:p>
+                      <a:endParaRPr lang="es-ES" sz="1600" dirty="0"/>
+                    </a:p>
+                    <a:p>
+                      <a:endParaRPr lang="es-ES" sz="1600" dirty="0"/>
+                    </a:p>
+                    <a:p>
+                      <a:endParaRPr lang="es-ES" sz="1600" dirty="0"/>
+                    </a:p>
+                    <a:p>
                       <a:r>
                         <a:rPr lang="es-ES" sz="1600" dirty="0"/>
-                        <a:t>Posibilidad de conectarla a zapatillas inteligentes de la marca </a:t>
-                      </a:r>
-                      <a:r>
-                        <a:rPr lang="es-ES" sz="1600" dirty="0" err="1"/>
-                        <a:t>Under</a:t>
-                      </a:r>
-                      <a:r>
-                        <a:rPr lang="es-ES" sz="1600" dirty="0"/>
-                        <a:t> </a:t>
-                      </a:r>
-                      <a:r>
-                        <a:rPr lang="es-ES" sz="1600" dirty="0" err="1"/>
-                        <a:t>Armour</a:t>
-                      </a:r>
-                      <a:endParaRPr lang="es-ES" sz="1600" dirty="0"/>
-                    </a:p>
-                    <a:p>
-                      <a:endParaRPr lang="es-ES" sz="1600" dirty="0"/>
-                    </a:p>
-                    <a:p>
-                      <a:r>
-                        <a:rPr lang="es-ES" sz="1600" dirty="0"/>
-                        <a:t>Posibilidad </a:t>
-                      </a:r>
-                      <a:r>
-                        <a:rPr lang="es-ES" sz="1600" dirty="0" err="1"/>
-                        <a:t>deconectarla</a:t>
-                      </a:r>
-                      <a:r>
-                        <a:rPr lang="es-ES" sz="1600" dirty="0"/>
-                        <a:t> a dispositivos inteligentes directamente pero si a través de las aplicaciones de terceros a las que se puede conectar</a:t>
+                        <a:t>No es posible conectarlo con dispositivos inteligentes</a:t>
                       </a:r>
                     </a:p>
                   </a:txBody>
@@ -8790,7 +8743,7 @@
           <p:nvPr>
             <p:extLst>
               <p:ext uri="{D42A27DB-BD31-4B8C-83A1-F6EECF244321}">
-                <p14:modId xmlns:p14="http://schemas.microsoft.com/office/powerpoint/2010/main" val="1487196635"/>
+                <p14:modId xmlns:p14="http://schemas.microsoft.com/office/powerpoint/2010/main" val="251438689"/>
               </p:ext>
             </p:extLst>
           </p:nvPr>
@@ -8865,17 +8818,10 @@
                     <a:lstStyle/>
                     <a:p>
                       <a:r>
-                        <a:rPr lang="es-ES" dirty="0"/>
-                        <a:t>Ecosistema </a:t>
+                        <a:rPr lang="es-ES" dirty="0" err="1"/>
+                        <a:t>Nooddle</a:t>
                       </a:r>
-                      <a:r>
-                        <a:rPr lang="es-ES" dirty="0" err="1"/>
-                        <a:t>Myfitness</a:t>
-                      </a:r>
-                      <a:r>
-                        <a:rPr lang="es-ES" dirty="0"/>
-                        <a:t> Pal</a:t>
-                      </a:r>
+                      <a:endParaRPr lang="es-ES" dirty="0"/>
                     </a:p>
                   </a:txBody>
                   <a:tcPr/>
@@ -8972,48 +8918,13 @@
                       <a:endParaRPr lang="es-ES" sz="1600" dirty="0"/>
                     </a:p>
                     <a:p>
+                      <a:endParaRPr lang="es-ES" sz="1600" dirty="0"/>
+                    </a:p>
+                    <a:p>
                       <a:r>
                         <a:rPr lang="es-ES" sz="1600" dirty="0"/>
-                        <a:t>Permite compartir los entrenamientos a través de las aplicaciones </a:t>
+                        <a:t>Posibilidad de valorar y comentar recetas.</a:t>
                       </a:r>
-                      <a:r>
-                        <a:rPr lang="es-ES" sz="1600" dirty="0" err="1"/>
-                        <a:t>MapMyRun</a:t>
-                      </a:r>
-                      <a:r>
-                        <a:rPr lang="es-ES" sz="1600" dirty="0"/>
-                        <a:t>, </a:t>
-                      </a:r>
-                      <a:r>
-                        <a:rPr lang="es-ES" sz="1600" dirty="0" err="1"/>
-                        <a:t>MapMyRide</a:t>
-                      </a:r>
-                      <a:r>
-                        <a:rPr lang="es-ES" sz="1600" dirty="0"/>
-                        <a:t>, </a:t>
-                      </a:r>
-                      <a:r>
-                        <a:rPr lang="es-ES" sz="1600" dirty="0" err="1"/>
-                        <a:t>MapMyFitness</a:t>
-                      </a:r>
-                      <a:r>
-                        <a:rPr lang="es-ES" sz="1600" dirty="0"/>
-                        <a:t> y </a:t>
-                      </a:r>
-                      <a:r>
-                        <a:rPr lang="es-ES" sz="1600" dirty="0" err="1"/>
-                        <a:t>MapMyWalk</a:t>
-                      </a:r>
-                      <a:r>
-                        <a:rPr lang="es-ES" sz="1600" dirty="0"/>
-                        <a:t>.</a:t>
-                      </a:r>
-                    </a:p>
-                    <a:p>
-                      <a:endParaRPr lang="es-ES" sz="1600" dirty="0"/>
-                    </a:p>
-                    <a:p>
-                      <a:endParaRPr lang="es-ES" sz="1600" dirty="0"/>
                     </a:p>
                   </a:txBody>
                   <a:tcPr/>
@@ -9138,7 +9049,7 @@
           <p:nvPr>
             <p:extLst>
               <p:ext uri="{D42A27DB-BD31-4B8C-83A1-F6EECF244321}">
-                <p14:modId xmlns:p14="http://schemas.microsoft.com/office/powerpoint/2010/main" val="2910923331"/>
+                <p14:modId xmlns:p14="http://schemas.microsoft.com/office/powerpoint/2010/main" val="1023126518"/>
               </p:ext>
             </p:extLst>
           </p:nvPr>
@@ -9213,17 +9124,10 @@
                     <a:lstStyle/>
                     <a:p>
                       <a:r>
-                        <a:rPr lang="es-ES" dirty="0"/>
-                        <a:t>Ecosistema </a:t>
+                        <a:rPr lang="es-ES" dirty="0" err="1"/>
+                        <a:t>Nooddle</a:t>
                       </a:r>
-                      <a:r>
-                        <a:rPr lang="es-ES" dirty="0" err="1"/>
-                        <a:t>Myfitness</a:t>
-                      </a:r>
-                      <a:r>
-                        <a:rPr lang="es-ES" dirty="0"/>
-                        <a:t> Pal</a:t>
-                      </a:r>
+                      <a:endParaRPr lang="es-ES" dirty="0"/>
                     </a:p>
                   </a:txBody>
                   <a:tcPr/>
@@ -9319,28 +9223,19 @@
                       <a:endParaRPr lang="es-ES" sz="1600" dirty="0"/>
                     </a:p>
                     <a:p>
-                      <a:r>
-                        <a:rPr lang="es-ES" sz="1600" dirty="0"/>
-                        <a:t>Es gratis, pero dispone de un plan premium para desbloquear todas las </a:t>
-                      </a:r>
-                      <a:r>
-                        <a:rPr lang="es-ES" sz="1600" dirty="0" err="1"/>
-                        <a:t>funcionialidades</a:t>
-                      </a:r>
-                      <a:r>
-                        <a:rPr lang="es-ES" sz="1600" dirty="0"/>
-                        <a:t>. El plan premium funciona con suscripción: el primer mes gratis, y luego los pagos pueden ir mensualmente por 10 euros o </a:t>
-                      </a:r>
+                      <a:endParaRPr lang="es-ES" sz="1600" dirty="0"/>
+                    </a:p>
+                    <a:p>
+                      <a:endParaRPr lang="es-ES" sz="1600" dirty="0"/>
+                    </a:p>
+                    <a:p>
+                      <a:endParaRPr lang="es-ES" sz="1600" dirty="0"/>
+                    </a:p>
+                    <a:p>
                       <a:r>
                         <a:rPr lang="es-ES" sz="1600"/>
-                        <a:t>anualmente por 50.</a:t>
+                        <a:t>Completamente gratuita</a:t>
                       </a:r>
-                      <a:endParaRPr lang="es-ES" sz="1600" dirty="0"/>
-                    </a:p>
-                    <a:p>
-                      <a:endParaRPr lang="es-ES" sz="1600" dirty="0"/>
-                    </a:p>
-                    <a:p>
                       <a:endParaRPr lang="es-ES" sz="1600" dirty="0"/>
                     </a:p>
                   </a:txBody>

--- a/Investigación/Benchmark/Benchmark aplicaciones.pptx
+++ b/Investigación/Benchmark/Benchmark aplicaciones.pptx
@@ -1332,7 +1332,7 @@
             <a:fld id="{9334D819-9F07-4261-B09B-9E467E5D9002}" type="datetimeFigureOut">
               <a:rPr lang="en-US" dirty="0"/>
               <a:pPr/>
-              <a:t>4/4/2020</a:t>
+              <a:t>5/10/2020</a:t>
             </a:fld>
             <a:endParaRPr lang="en-US" dirty="0"/>
           </a:p>
@@ -1566,7 +1566,7 @@
           <a:p>
             <a:fld id="{9334D819-9F07-4261-B09B-9E467E5D9002}" type="datetimeFigureOut">
               <a:rPr lang="en-US" dirty="0"/>
-              <a:t>4/4/2020</a:t>
+              <a:t>5/10/2020</a:t>
             </a:fld>
             <a:endParaRPr lang="en-US" dirty="0"/>
           </a:p>
@@ -1741,7 +1741,7 @@
           <a:p>
             <a:fld id="{9334D819-9F07-4261-B09B-9E467E5D9002}" type="datetimeFigureOut">
               <a:rPr lang="en-US" dirty="0"/>
-              <a:t>4/4/2020</a:t>
+              <a:t>5/10/2020</a:t>
             </a:fld>
             <a:endParaRPr lang="en-US" dirty="0"/>
           </a:p>
@@ -1906,7 +1906,7 @@
           <a:p>
             <a:fld id="{9334D819-9F07-4261-B09B-9E467E5D9002}" type="datetimeFigureOut">
               <a:rPr lang="en-US" dirty="0"/>
-              <a:t>4/4/2020</a:t>
+              <a:t>5/10/2020</a:t>
             </a:fld>
             <a:endParaRPr lang="en-US" dirty="0"/>
           </a:p>
@@ -2178,7 +2178,7 @@
             <a:fld id="{9334D819-9F07-4261-B09B-9E467E5D9002}" type="datetimeFigureOut">
               <a:rPr lang="en-US" dirty="0"/>
               <a:pPr/>
-              <a:t>4/4/2020</a:t>
+              <a:t>5/10/2020</a:t>
             </a:fld>
             <a:endParaRPr lang="en-US" dirty="0"/>
           </a:p>
@@ -3375,7 +3375,7 @@
           <a:p>
             <a:fld id="{9334D819-9F07-4261-B09B-9E467E5D9002}" type="datetimeFigureOut">
               <a:rPr lang="en-US" dirty="0"/>
-              <a:t>4/4/2020</a:t>
+              <a:t>5/10/2020</a:t>
             </a:fld>
             <a:endParaRPr lang="en-US" dirty="0"/>
           </a:p>
@@ -3760,7 +3760,7 @@
           <a:p>
             <a:fld id="{9334D819-9F07-4261-B09B-9E467E5D9002}" type="datetimeFigureOut">
               <a:rPr lang="en-US" dirty="0"/>
-              <a:t>4/4/2020</a:t>
+              <a:t>5/10/2020</a:t>
             </a:fld>
             <a:endParaRPr lang="en-US" dirty="0"/>
           </a:p>
@@ -3878,7 +3878,7 @@
           <a:p>
             <a:fld id="{9334D819-9F07-4261-B09B-9E467E5D9002}" type="datetimeFigureOut">
               <a:rPr lang="en-US" dirty="0"/>
-              <a:t>4/4/2020</a:t>
+              <a:t>5/10/2020</a:t>
             </a:fld>
             <a:endParaRPr lang="en-US" dirty="0"/>
           </a:p>
@@ -3968,7 +3968,7 @@
           <a:p>
             <a:fld id="{9334D819-9F07-4261-B09B-9E467E5D9002}" type="datetimeFigureOut">
               <a:rPr lang="en-US" dirty="0"/>
-              <a:t>4/4/2020</a:t>
+              <a:t>5/10/2020</a:t>
             </a:fld>
             <a:endParaRPr lang="en-US" dirty="0"/>
           </a:p>
@@ -4726,7 +4726,7 @@
           <a:p>
             <a:fld id="{9334D819-9F07-4261-B09B-9E467E5D9002}" type="datetimeFigureOut">
               <a:rPr lang="en-US" dirty="0"/>
-              <a:t>4/4/2020</a:t>
+              <a:t>5/10/2020</a:t>
             </a:fld>
             <a:endParaRPr lang="en-US" dirty="0"/>
           </a:p>
@@ -5561,7 +5561,7 @@
           <a:p>
             <a:fld id="{9334D819-9F07-4261-B09B-9E467E5D9002}" type="datetimeFigureOut">
               <a:rPr lang="en-US" dirty="0"/>
-              <a:t>4/4/2020</a:t>
+              <a:t>5/10/2020</a:t>
             </a:fld>
             <a:endParaRPr lang="en-US" dirty="0"/>
           </a:p>
@@ -5784,7 +5784,7 @@
             <a:fld id="{9334D819-9F07-4261-B09B-9E467E5D9002}" type="datetimeFigureOut">
               <a:rPr lang="en-US" dirty="0"/>
               <a:pPr/>
-              <a:t>4/4/2020</a:t>
+              <a:t>5/10/2020</a:t>
             </a:fld>
             <a:endParaRPr lang="en-US" dirty="0"/>
           </a:p>
@@ -7237,15 +7237,7 @@
           <a:p>
             <a:r>
               <a:rPr lang="es-ES" dirty="0"/>
-              <a:t>Conexión con aplicaciones </a:t>
-            </a:r>
-            <a:r>
-              <a:rPr lang="es-ES" dirty="0" err="1"/>
-              <a:t>aplicaciones</a:t>
-            </a:r>
-            <a:r>
-              <a:rPr lang="es-ES" dirty="0"/>
-              <a:t> de terceros</a:t>
+              <a:t>Conexión con aplicaciones de terceros</a:t>
             </a:r>
           </a:p>
           <a:p>
@@ -7366,13 +7358,15 @@
           </p:nvPr>
         </p:nvSpPr>
         <p:spPr>
-          <a:xfrm>
-            <a:off x="1251678" y="1846555"/>
-            <a:ext cx="10178322" cy="4033038"/>
+          <a:xfrm rot="16200000" flipH="1">
+            <a:off x="-1118587" y="953060"/>
+            <a:ext cx="585853" cy="277782"/>
           </a:xfrm>
         </p:spPr>
         <p:txBody>
-          <a:bodyPr/>
+          <a:bodyPr>
+            <a:normAutofit fontScale="62500" lnSpcReduction="20000"/>
+          </a:bodyPr>
           <a:lstStyle/>
           <a:p>
             <a:pPr marL="0" indent="0">
@@ -7397,14 +7391,14 @@
           <p:nvPr>
             <p:extLst>
               <p:ext uri="{D42A27DB-BD31-4B8C-83A1-F6EECF244321}">
-                <p14:modId xmlns:p14="http://schemas.microsoft.com/office/powerpoint/2010/main" val="1975388864"/>
+                <p14:modId xmlns:p14="http://schemas.microsoft.com/office/powerpoint/2010/main" val="3402454717"/>
               </p:ext>
             </p:extLst>
           </p:nvPr>
         </p:nvGraphicFramePr>
         <p:xfrm>
-          <a:off x="1250950" y="1559163"/>
-          <a:ext cx="10334409" cy="5021210"/>
+          <a:off x="1250950" y="1485636"/>
+          <a:ext cx="10412403" cy="5039451"/>
         </p:xfrm>
         <a:graphic>
           <a:graphicData uri="http://schemas.openxmlformats.org/drawingml/2006/table">
@@ -7413,21 +7407,21 @@
                 <a:tableStyleId>{5C22544A-7EE6-4342-B048-85BDC9FD1C3A}</a:tableStyleId>
               </a:tblPr>
               <a:tblGrid>
-                <a:gridCol w="3444803">
+                <a:gridCol w="3470801">
                   <a:extLst>
                     <a:ext uri="{9D8B030D-6E8A-4147-A177-3AD203B41FA5}">
                       <a16:colId xmlns:a16="http://schemas.microsoft.com/office/drawing/2014/main" val="4093516576"/>
                     </a:ext>
                   </a:extLst>
                 </a:gridCol>
-                <a:gridCol w="3444803">
+                <a:gridCol w="3470801">
                   <a:extLst>
                     <a:ext uri="{9D8B030D-6E8A-4147-A177-3AD203B41FA5}">
                       <a16:colId xmlns:a16="http://schemas.microsoft.com/office/drawing/2014/main" val="2283242047"/>
                     </a:ext>
                   </a:extLst>
                 </a:gridCol>
-                <a:gridCol w="3444803">
+                <a:gridCol w="3470801">
                   <a:extLst>
                     <a:ext uri="{9D8B030D-6E8A-4147-A177-3AD203B41FA5}">
                       <a16:colId xmlns:a16="http://schemas.microsoft.com/office/drawing/2014/main" val="122527310"/>
@@ -7435,7 +7429,7 @@
                   </a:extLst>
                 </a:gridCol>
               </a:tblGrid>
-              <a:tr h="625876">
+              <a:tr h="479437">
                 <a:tc>
                   <a:txBody>
                     <a:bodyPr/>
@@ -7486,7 +7480,7 @@
                   </a:ext>
                 </a:extLst>
               </a:tr>
-              <a:tr h="4381130">
+              <a:tr h="4399371">
                 <a:tc>
                   <a:txBody>
                     <a:bodyPr/>
@@ -7743,7 +7737,7 @@
           <p:nvPr>
             <p:extLst>
               <p:ext uri="{D42A27DB-BD31-4B8C-83A1-F6EECF244321}">
-                <p14:modId xmlns:p14="http://schemas.microsoft.com/office/powerpoint/2010/main" val="2893307697"/>
+                <p14:modId xmlns:p14="http://schemas.microsoft.com/office/powerpoint/2010/main" val="2776745055"/>
               </p:ext>
             </p:extLst>
           </p:nvPr>
@@ -9233,10 +9227,9 @@
                     </a:p>
                     <a:p>
                       <a:r>
-                        <a:rPr lang="es-ES" sz="1600"/>
+                        <a:rPr lang="es-ES" sz="1600" dirty="0"/>
                         <a:t>Completamente gratuita</a:t>
                       </a:r>
-                      <a:endParaRPr lang="es-ES" sz="1600" dirty="0"/>
                     </a:p>
                   </a:txBody>
                   <a:tcPr/>
